--- a/Lấy Nét hình ảnh.pptx
+++ b/Lấy Nét hình ảnh.pptx
@@ -110,6 +110,11 @@
       </a:defRPr>
     </a:lvl9pPr>
   </p:defaultTextStyle>
+  <p:extLst>
+    <p:ext uri="{EFAFB233-063F-42B5-8137-9DF3F51BA10A}">
+      <p15:sldGuideLst xmlns:p15="http://schemas.microsoft.com/office/powerpoint/2012/main"/>
+    </p:ext>
+  </p:extLst>
 </p:presentation>
 </file>
 
@@ -260,7 +265,7 @@
           <a:p>
             <a:fld id="{300CE4AA-D979-457B-A8AE-461FFC1F82AF}" type="datetimeFigureOut">
               <a:rPr lang="en-US" smtClean="0"/>
-              <a:t>28/08/2024</a:t>
+              <a:t>29/08/2024</a:t>
             </a:fld>
             <a:endParaRPr lang="en-US"/>
           </a:p>
@@ -458,7 +463,7 @@
           <a:p>
             <a:fld id="{300CE4AA-D979-457B-A8AE-461FFC1F82AF}" type="datetimeFigureOut">
               <a:rPr lang="en-US" smtClean="0"/>
-              <a:t>28/08/2024</a:t>
+              <a:t>29/08/2024</a:t>
             </a:fld>
             <a:endParaRPr lang="en-US"/>
           </a:p>
@@ -666,7 +671,7 @@
           <a:p>
             <a:fld id="{300CE4AA-D979-457B-A8AE-461FFC1F82AF}" type="datetimeFigureOut">
               <a:rPr lang="en-US" smtClean="0"/>
-              <a:t>28/08/2024</a:t>
+              <a:t>29/08/2024</a:t>
             </a:fld>
             <a:endParaRPr lang="en-US"/>
           </a:p>
@@ -864,7 +869,7 @@
           <a:p>
             <a:fld id="{300CE4AA-D979-457B-A8AE-461FFC1F82AF}" type="datetimeFigureOut">
               <a:rPr lang="en-US" smtClean="0"/>
-              <a:t>28/08/2024</a:t>
+              <a:t>29/08/2024</a:t>
             </a:fld>
             <a:endParaRPr lang="en-US"/>
           </a:p>
@@ -1139,7 +1144,7 @@
           <a:p>
             <a:fld id="{300CE4AA-D979-457B-A8AE-461FFC1F82AF}" type="datetimeFigureOut">
               <a:rPr lang="en-US" smtClean="0"/>
-              <a:t>28/08/2024</a:t>
+              <a:t>29/08/2024</a:t>
             </a:fld>
             <a:endParaRPr lang="en-US"/>
           </a:p>
@@ -1404,7 +1409,7 @@
           <a:p>
             <a:fld id="{300CE4AA-D979-457B-A8AE-461FFC1F82AF}" type="datetimeFigureOut">
               <a:rPr lang="en-US" smtClean="0"/>
-              <a:t>28/08/2024</a:t>
+              <a:t>29/08/2024</a:t>
             </a:fld>
             <a:endParaRPr lang="en-US"/>
           </a:p>
@@ -1816,7 +1821,7 @@
           <a:p>
             <a:fld id="{300CE4AA-D979-457B-A8AE-461FFC1F82AF}" type="datetimeFigureOut">
               <a:rPr lang="en-US" smtClean="0"/>
-              <a:t>28/08/2024</a:t>
+              <a:t>29/08/2024</a:t>
             </a:fld>
             <a:endParaRPr lang="en-US"/>
           </a:p>
@@ -1957,7 +1962,7 @@
           <a:p>
             <a:fld id="{300CE4AA-D979-457B-A8AE-461FFC1F82AF}" type="datetimeFigureOut">
               <a:rPr lang="en-US" smtClean="0"/>
-              <a:t>28/08/2024</a:t>
+              <a:t>29/08/2024</a:t>
             </a:fld>
             <a:endParaRPr lang="en-US"/>
           </a:p>
@@ -2070,7 +2075,7 @@
           <a:p>
             <a:fld id="{300CE4AA-D979-457B-A8AE-461FFC1F82AF}" type="datetimeFigureOut">
               <a:rPr lang="en-US" smtClean="0"/>
-              <a:t>28/08/2024</a:t>
+              <a:t>29/08/2024</a:t>
             </a:fld>
             <a:endParaRPr lang="en-US"/>
           </a:p>
@@ -2381,7 +2386,7 @@
           <a:p>
             <a:fld id="{300CE4AA-D979-457B-A8AE-461FFC1F82AF}" type="datetimeFigureOut">
               <a:rPr lang="en-US" smtClean="0"/>
-              <a:t>28/08/2024</a:t>
+              <a:t>29/08/2024</a:t>
             </a:fld>
             <a:endParaRPr lang="en-US"/>
           </a:p>
@@ -2669,7 +2674,7 @@
           <a:p>
             <a:fld id="{300CE4AA-D979-457B-A8AE-461FFC1F82AF}" type="datetimeFigureOut">
               <a:rPr lang="en-US" smtClean="0"/>
-              <a:t>28/08/2024</a:t>
+              <a:t>29/08/2024</a:t>
             </a:fld>
             <a:endParaRPr lang="en-US"/>
           </a:p>
@@ -2910,7 +2915,7 @@
           <a:p>
             <a:fld id="{300CE4AA-D979-457B-A8AE-461FFC1F82AF}" type="datetimeFigureOut">
               <a:rPr lang="en-US" smtClean="0"/>
-              <a:t>28/08/2024</a:t>
+              <a:t>29/08/2024</a:t>
             </a:fld>
             <a:endParaRPr lang="en-US"/>
           </a:p>
@@ -3451,12 +3456,20 @@
             <p:ph idx="1"/>
           </p:nvPr>
         </p:nvSpPr>
-        <p:spPr/>
-        <p:txBody>
-          <a:bodyPr/>
-          <a:lstStyle/>
-          <a:p>
-            <a:endParaRPr lang="en-US"/>
+        <p:spPr>
+          <a:xfrm>
+            <a:off x="310718" y="1690688"/>
+            <a:ext cx="11043082" cy="589101"/>
+          </a:xfrm>
+        </p:spPr>
+        <p:txBody>
+          <a:bodyPr/>
+          <a:lstStyle/>
+          <a:p>
+            <a:r>
+              <a:rPr lang="en-US"/>
+              <a:t>https://www.youtube.com/watch?v=0BUKJIXiqEo</a:t>
+            </a:r>
           </a:p>
         </p:txBody>
       </p:sp>
